--- a/Word&ppt/Presentation.pptx
+++ b/Word&ppt/Presentation.pptx
@@ -114,6 +114,11 @@
       </a:defRPr>
     </a:lvl9pPr>
   </p:defaultTextStyle>
+  <p:extLst>
+    <p:ext uri="{EFAFB233-063F-42B5-8137-9DF3F51BA10A}">
+      <p15:sldGuideLst xmlns:p15="http://schemas.microsoft.com/office/powerpoint/2012/main"/>
+    </p:ext>
+  </p:extLst>
 </p:presentation>
 </file>
 
@@ -264,7 +269,7 @@
           <a:p>
             <a:fld id="{E42A29F2-E156-4ECE-A7E8-E9DB465D5ED5}" type="datetimeFigureOut">
               <a:rPr lang="fr-FR" smtClean="0"/>
-              <a:t>20/05/2019</a:t>
+              <a:t>26/05/2019</a:t>
             </a:fld>
             <a:endParaRPr lang="fr-FR"/>
           </a:p>
@@ -462,7 +467,7 @@
           <a:p>
             <a:fld id="{E42A29F2-E156-4ECE-A7E8-E9DB465D5ED5}" type="datetimeFigureOut">
               <a:rPr lang="fr-FR" smtClean="0"/>
-              <a:t>20/05/2019</a:t>
+              <a:t>26/05/2019</a:t>
             </a:fld>
             <a:endParaRPr lang="fr-FR"/>
           </a:p>
@@ -670,7 +675,7 @@
           <a:p>
             <a:fld id="{E42A29F2-E156-4ECE-A7E8-E9DB465D5ED5}" type="datetimeFigureOut">
               <a:rPr lang="fr-FR" smtClean="0"/>
-              <a:t>20/05/2019</a:t>
+              <a:t>26/05/2019</a:t>
             </a:fld>
             <a:endParaRPr lang="fr-FR"/>
           </a:p>
@@ -868,7 +873,7 @@
           <a:p>
             <a:fld id="{E42A29F2-E156-4ECE-A7E8-E9DB465D5ED5}" type="datetimeFigureOut">
               <a:rPr lang="fr-FR" smtClean="0"/>
-              <a:t>20/05/2019</a:t>
+              <a:t>26/05/2019</a:t>
             </a:fld>
             <a:endParaRPr lang="fr-FR"/>
           </a:p>
@@ -1143,7 +1148,7 @@
           <a:p>
             <a:fld id="{E42A29F2-E156-4ECE-A7E8-E9DB465D5ED5}" type="datetimeFigureOut">
               <a:rPr lang="fr-FR" smtClean="0"/>
-              <a:t>20/05/2019</a:t>
+              <a:t>26/05/2019</a:t>
             </a:fld>
             <a:endParaRPr lang="fr-FR"/>
           </a:p>
@@ -1408,7 +1413,7 @@
           <a:p>
             <a:fld id="{E42A29F2-E156-4ECE-A7E8-E9DB465D5ED5}" type="datetimeFigureOut">
               <a:rPr lang="fr-FR" smtClean="0"/>
-              <a:t>20/05/2019</a:t>
+              <a:t>26/05/2019</a:t>
             </a:fld>
             <a:endParaRPr lang="fr-FR"/>
           </a:p>
@@ -1820,7 +1825,7 @@
           <a:p>
             <a:fld id="{E42A29F2-E156-4ECE-A7E8-E9DB465D5ED5}" type="datetimeFigureOut">
               <a:rPr lang="fr-FR" smtClean="0"/>
-              <a:t>20/05/2019</a:t>
+              <a:t>26/05/2019</a:t>
             </a:fld>
             <a:endParaRPr lang="fr-FR"/>
           </a:p>
@@ -1961,7 +1966,7 @@
           <a:p>
             <a:fld id="{E42A29F2-E156-4ECE-A7E8-E9DB465D5ED5}" type="datetimeFigureOut">
               <a:rPr lang="fr-FR" smtClean="0"/>
-              <a:t>20/05/2019</a:t>
+              <a:t>26/05/2019</a:t>
             </a:fld>
             <a:endParaRPr lang="fr-FR"/>
           </a:p>
@@ -2074,7 +2079,7 @@
           <a:p>
             <a:fld id="{E42A29F2-E156-4ECE-A7E8-E9DB465D5ED5}" type="datetimeFigureOut">
               <a:rPr lang="fr-FR" smtClean="0"/>
-              <a:t>20/05/2019</a:t>
+              <a:t>26/05/2019</a:t>
             </a:fld>
             <a:endParaRPr lang="fr-FR"/>
           </a:p>
@@ -2385,7 +2390,7 @@
           <a:p>
             <a:fld id="{E42A29F2-E156-4ECE-A7E8-E9DB465D5ED5}" type="datetimeFigureOut">
               <a:rPr lang="fr-FR" smtClean="0"/>
-              <a:t>20/05/2019</a:t>
+              <a:t>26/05/2019</a:t>
             </a:fld>
             <a:endParaRPr lang="fr-FR"/>
           </a:p>
@@ -2673,7 +2678,7 @@
           <a:p>
             <a:fld id="{E42A29F2-E156-4ECE-A7E8-E9DB465D5ED5}" type="datetimeFigureOut">
               <a:rPr lang="fr-FR" smtClean="0"/>
-              <a:t>20/05/2019</a:t>
+              <a:t>26/05/2019</a:t>
             </a:fld>
             <a:endParaRPr lang="fr-FR"/>
           </a:p>
@@ -2914,7 +2919,7 @@
           <a:p>
             <a:fld id="{E42A29F2-E156-4ECE-A7E8-E9DB465D5ED5}" type="datetimeFigureOut">
               <a:rPr lang="fr-FR" smtClean="0"/>
-              <a:t>20/05/2019</a:t>
+              <a:t>26/05/2019</a:t>
             </a:fld>
             <a:endParaRPr lang="fr-FR"/>
           </a:p>
@@ -6070,12 +6075,48 @@
           </a:prstGeom>
         </p:spPr>
       </p:pic>
+      <p:sp>
+        <p:nvSpPr>
+          <p:cNvPr id="9" name="Rectangle 8">
+            <a:extLst>
+              <a:ext uri="{FF2B5EF4-FFF2-40B4-BE49-F238E27FC236}">
+                <a16:creationId xmlns:a16="http://schemas.microsoft.com/office/drawing/2014/main" id="{F7095858-7429-4015-920E-4476A7F5243F}"/>
+              </a:ext>
+            </a:extLst>
+          </p:cNvPr>
+          <p:cNvSpPr/>
+          <p:nvPr/>
+        </p:nvSpPr>
+        <p:spPr>
+          <a:xfrm>
+            <a:off x="3573501" y="3429000"/>
+            <a:ext cx="6314998" cy="1015663"/>
+          </a:xfrm>
+          <a:prstGeom prst="rect">
+            <a:avLst/>
+          </a:prstGeom>
+        </p:spPr>
+        <p:txBody>
+          <a:bodyPr wrap="none">
+            <a:spAutoFit/>
+          </a:bodyPr>
+          <a:lstStyle/>
+          <a:p>
+            <a:r>
+              <a:rPr lang="fr-FR" sz="6000" dirty="0">
+                <a:latin typeface="+mj-lt"/>
+              </a:rPr>
+              <a:t>ACTEURS EXTERNES</a:t>
+            </a:r>
+          </a:p>
+        </p:txBody>
+      </p:sp>
       <p:pic>
         <p:nvPicPr>
-          <p:cNvPr id="8" name="Image 7">
-            <a:extLst>
-              <a:ext uri="{FF2B5EF4-FFF2-40B4-BE49-F238E27FC236}">
-                <a16:creationId xmlns:a16="http://schemas.microsoft.com/office/drawing/2014/main" id="{C916E3B6-6325-4208-B068-9F5D1E4A4E04}"/>
+          <p:cNvPr id="10" name="Image 9">
+            <a:extLst>
+              <a:ext uri="{FF2B5EF4-FFF2-40B4-BE49-F238E27FC236}">
+                <a16:creationId xmlns:a16="http://schemas.microsoft.com/office/drawing/2014/main" id="{93FC9451-5383-4D01-8B0F-C52587134365}"/>
               </a:ext>
             </a:extLst>
           </p:cNvPr>
@@ -6096,60 +6137,26 @@
         </p:blipFill>
         <p:spPr>
           <a:xfrm>
-            <a:off x="4017645" y="1574165"/>
-            <a:ext cx="5426710" cy="1550035"/>
+            <a:off x="5499891" y="4570887"/>
+            <a:ext cx="2323309" cy="1677513"/>
           </a:xfrm>
           <a:prstGeom prst="rect">
             <a:avLst/>
           </a:prstGeom>
         </p:spPr>
       </p:pic>
-      <p:sp>
-        <p:nvSpPr>
-          <p:cNvPr id="9" name="Rectangle 8">
-            <a:extLst>
-              <a:ext uri="{FF2B5EF4-FFF2-40B4-BE49-F238E27FC236}">
-                <a16:creationId xmlns:a16="http://schemas.microsoft.com/office/drawing/2014/main" id="{F7095858-7429-4015-920E-4476A7F5243F}"/>
-              </a:ext>
-            </a:extLst>
-          </p:cNvPr>
-          <p:cNvSpPr/>
-          <p:nvPr/>
-        </p:nvSpPr>
-        <p:spPr>
-          <a:xfrm>
-            <a:off x="3573501" y="3429000"/>
-            <a:ext cx="6314998" cy="1015663"/>
-          </a:xfrm>
-          <a:prstGeom prst="rect">
-            <a:avLst/>
-          </a:prstGeom>
-        </p:spPr>
-        <p:txBody>
-          <a:bodyPr wrap="none">
-            <a:spAutoFit/>
-          </a:bodyPr>
-          <a:lstStyle/>
-          <a:p>
-            <a:r>
-              <a:rPr lang="fr-FR" sz="6000" dirty="0">
-                <a:latin typeface="+mj-lt"/>
-              </a:rPr>
-              <a:t>ACTEURS EXTERNES</a:t>
-            </a:r>
-          </a:p>
-        </p:txBody>
-      </p:sp>
       <p:pic>
         <p:nvPicPr>
-          <p:cNvPr id="10" name="Image 9">
-            <a:extLst>
-              <a:ext uri="{FF2B5EF4-FFF2-40B4-BE49-F238E27FC236}">
-                <a16:creationId xmlns:a16="http://schemas.microsoft.com/office/drawing/2014/main" id="{93FC9451-5383-4D01-8B0F-C52587134365}"/>
-              </a:ext>
-            </a:extLst>
-          </p:cNvPr>
-          <p:cNvPicPr/>
+          <p:cNvPr id="4" name="Image 3">
+            <a:extLst>
+              <a:ext uri="{FF2B5EF4-FFF2-40B4-BE49-F238E27FC236}">
+                <a16:creationId xmlns:a16="http://schemas.microsoft.com/office/drawing/2014/main" id="{190AB667-5774-4109-A0BC-B8C0B0CD4171}"/>
+              </a:ext>
+            </a:extLst>
+          </p:cNvPr>
+          <p:cNvPicPr>
+            <a:picLocks noChangeAspect="1"/>
+          </p:cNvPicPr>
           <p:nvPr/>
         </p:nvPicPr>
         <p:blipFill>
@@ -6166,8 +6173,8 @@
         </p:blipFill>
         <p:spPr>
           <a:xfrm>
-            <a:off x="5499891" y="4570887"/>
-            <a:ext cx="2323309" cy="1677513"/>
+            <a:off x="2590800" y="1383365"/>
+            <a:ext cx="8305800" cy="1966736"/>
           </a:xfrm>
           <a:prstGeom prst="rect">
             <a:avLst/>
